--- a/Spring/6-spring-web-mapping.pptx
+++ b/Spring/6-spring-web-mapping.pptx
@@ -259,7 +259,7 @@
           <a:p>
             <a:fld id="{C038239F-46F2-440C-87B3-439CF39309D8}" type="datetimeFigureOut">
               <a:rPr lang="en-US" smtClean="0"/>
-              <a:t>6/17/2022</a:t>
+              <a:t>6/25/2022</a:t>
             </a:fld>
             <a:endParaRPr lang="en-US"/>
           </a:p>
@@ -546,7 +546,7 @@
           <a:p>
             <a:fld id="{C038239F-46F2-440C-87B3-439CF39309D8}" type="datetimeFigureOut">
               <a:rPr lang="en-US" smtClean="0"/>
-              <a:t>6/17/2022</a:t>
+              <a:t>6/25/2022</a:t>
             </a:fld>
             <a:endParaRPr lang="en-US"/>
           </a:p>
@@ -738,7 +738,7 @@
           <a:p>
             <a:fld id="{C038239F-46F2-440C-87B3-439CF39309D8}" type="datetimeFigureOut">
               <a:rPr lang="en-US" smtClean="0"/>
-              <a:t>6/17/2022</a:t>
+              <a:t>6/25/2022</a:t>
             </a:fld>
             <a:endParaRPr lang="en-US"/>
           </a:p>
@@ -999,7 +999,7 @@
           <a:p>
             <a:fld id="{C038239F-46F2-440C-87B3-439CF39309D8}" type="datetimeFigureOut">
               <a:rPr lang="en-US" smtClean="0"/>
-              <a:t>6/17/2022</a:t>
+              <a:t>6/25/2022</a:t>
             </a:fld>
             <a:endParaRPr lang="en-US"/>
           </a:p>
@@ -1423,7 +1423,7 @@
           <a:p>
             <a:fld id="{C038239F-46F2-440C-87B3-439CF39309D8}" type="datetimeFigureOut">
               <a:rPr lang="en-US" smtClean="0"/>
-              <a:t>6/17/2022</a:t>
+              <a:t>6/25/2022</a:t>
             </a:fld>
             <a:endParaRPr lang="en-US"/>
           </a:p>
@@ -1969,7 +1969,7 @@
           <a:p>
             <a:fld id="{C038239F-46F2-440C-87B3-439CF39309D8}" type="datetimeFigureOut">
               <a:rPr lang="en-US" smtClean="0"/>
-              <a:t>6/17/2022</a:t>
+              <a:t>6/25/2022</a:t>
             </a:fld>
             <a:endParaRPr lang="en-US"/>
           </a:p>
@@ -2809,7 +2809,7 @@
           <a:p>
             <a:fld id="{C038239F-46F2-440C-87B3-439CF39309D8}" type="datetimeFigureOut">
               <a:rPr lang="en-US" smtClean="0"/>
-              <a:t>6/17/2022</a:t>
+              <a:t>6/25/2022</a:t>
             </a:fld>
             <a:endParaRPr lang="en-US"/>
           </a:p>
@@ -2979,7 +2979,7 @@
           <a:p>
             <a:fld id="{C038239F-46F2-440C-87B3-439CF39309D8}" type="datetimeFigureOut">
               <a:rPr lang="en-US" smtClean="0"/>
-              <a:t>6/17/2022</a:t>
+              <a:t>6/25/2022</a:t>
             </a:fld>
             <a:endParaRPr lang="en-US"/>
           </a:p>
@@ -3163,7 +3163,7 @@
           <a:p>
             <a:fld id="{C038239F-46F2-440C-87B3-439CF39309D8}" type="datetimeFigureOut">
               <a:rPr lang="en-US" smtClean="0"/>
-              <a:t>6/17/2022</a:t>
+              <a:t>6/25/2022</a:t>
             </a:fld>
             <a:endParaRPr lang="en-US"/>
           </a:p>
@@ -3333,7 +3333,7 @@
           <a:p>
             <a:fld id="{C038239F-46F2-440C-87B3-439CF39309D8}" type="datetimeFigureOut">
               <a:rPr lang="en-US" smtClean="0"/>
-              <a:t>6/17/2022</a:t>
+              <a:t>6/25/2022</a:t>
             </a:fld>
             <a:endParaRPr lang="en-US"/>
           </a:p>
@@ -3581,7 +3581,7 @@
           <a:p>
             <a:fld id="{C038239F-46F2-440C-87B3-439CF39309D8}" type="datetimeFigureOut">
               <a:rPr lang="en-US" smtClean="0"/>
-              <a:t>6/17/2022</a:t>
+              <a:t>6/25/2022</a:t>
             </a:fld>
             <a:endParaRPr lang="en-US"/>
           </a:p>
@@ -3818,7 +3818,7 @@
           <a:p>
             <a:fld id="{C038239F-46F2-440C-87B3-439CF39309D8}" type="datetimeFigureOut">
               <a:rPr lang="en-US" smtClean="0"/>
-              <a:t>6/17/2022</a:t>
+              <a:t>6/25/2022</a:t>
             </a:fld>
             <a:endParaRPr lang="en-US"/>
           </a:p>
@@ -4191,7 +4191,7 @@
           <a:p>
             <a:fld id="{C038239F-46F2-440C-87B3-439CF39309D8}" type="datetimeFigureOut">
               <a:rPr lang="en-US" smtClean="0"/>
-              <a:t>6/17/2022</a:t>
+              <a:t>6/25/2022</a:t>
             </a:fld>
             <a:endParaRPr lang="en-US"/>
           </a:p>
@@ -4309,7 +4309,7 @@
           <a:p>
             <a:fld id="{C038239F-46F2-440C-87B3-439CF39309D8}" type="datetimeFigureOut">
               <a:rPr lang="en-US" smtClean="0"/>
-              <a:t>6/17/2022</a:t>
+              <a:t>6/25/2022</a:t>
             </a:fld>
             <a:endParaRPr lang="en-US"/>
           </a:p>
@@ -4404,7 +4404,7 @@
           <a:p>
             <a:fld id="{C038239F-46F2-440C-87B3-439CF39309D8}" type="datetimeFigureOut">
               <a:rPr lang="en-US" smtClean="0"/>
-              <a:t>6/17/2022</a:t>
+              <a:t>6/25/2022</a:t>
             </a:fld>
             <a:endParaRPr lang="en-US"/>
           </a:p>
@@ -4655,7 +4655,7 @@
           <a:p>
             <a:fld id="{C038239F-46F2-440C-87B3-439CF39309D8}" type="datetimeFigureOut">
               <a:rPr lang="en-US" smtClean="0"/>
-              <a:t>6/17/2022</a:t>
+              <a:t>6/25/2022</a:t>
             </a:fld>
             <a:endParaRPr lang="en-US"/>
           </a:p>
@@ -4942,7 +4942,7 @@
           <a:p>
             <a:fld id="{C038239F-46F2-440C-87B3-439CF39309D8}" type="datetimeFigureOut">
               <a:rPr lang="en-US" smtClean="0"/>
-              <a:t>6/17/2022</a:t>
+              <a:t>6/25/2022</a:t>
             </a:fld>
             <a:endParaRPr lang="en-US"/>
           </a:p>
@@ -5155,7 +5155,7 @@
           <a:p>
             <a:fld id="{C038239F-46F2-440C-87B3-439CF39309D8}" type="datetimeFigureOut">
               <a:rPr lang="en-US" smtClean="0"/>
-              <a:t>6/17/2022</a:t>
+              <a:t>6/25/2022</a:t>
             </a:fld>
             <a:endParaRPr lang="en-US"/>
           </a:p>
@@ -6763,10 +6763,15 @@
             <p:ph type="title"/>
           </p:nvPr>
         </p:nvSpPr>
-        <p:spPr/>
+        <p:spPr>
+          <a:xfrm>
+            <a:off x="913795" y="609600"/>
+            <a:ext cx="10353761" cy="45719"/>
+          </a:xfrm>
+        </p:spPr>
         <p:txBody>
           <a:bodyPr>
-            <a:normAutofit/>
+            <a:normAutofit fontScale="90000"/>
           </a:bodyPr>
           <a:lstStyle/>
           <a:p>
@@ -6806,10 +6811,15 @@
             <p:ph idx="1"/>
           </p:nvPr>
         </p:nvSpPr>
-        <p:spPr/>
+        <p:spPr>
+          <a:xfrm>
+            <a:off x="913795" y="1082180"/>
+            <a:ext cx="10353762" cy="5536734"/>
+          </a:xfrm>
+        </p:spPr>
         <p:txBody>
           <a:bodyPr>
-            <a:normAutofit fontScale="62500" lnSpcReduction="20000"/>
+            <a:normAutofit fontScale="92500" lnSpcReduction="10000"/>
           </a:bodyPr>
           <a:lstStyle/>
           <a:p>
@@ -7485,10 +7495,15 @@
             <p:ph type="title"/>
           </p:nvPr>
         </p:nvSpPr>
-        <p:spPr/>
+        <p:spPr>
+          <a:xfrm>
+            <a:off x="913795" y="609601"/>
+            <a:ext cx="10353761" cy="69908"/>
+          </a:xfrm>
+        </p:spPr>
         <p:txBody>
           <a:bodyPr>
-            <a:normAutofit/>
+            <a:normAutofit fontScale="90000"/>
           </a:bodyPr>
           <a:lstStyle/>
           <a:p>
@@ -7536,10 +7551,15 @@
             <p:ph idx="1"/>
           </p:nvPr>
         </p:nvSpPr>
-        <p:spPr/>
+        <p:spPr>
+          <a:xfrm>
+            <a:off x="913795" y="1065402"/>
+            <a:ext cx="10353762" cy="5792598"/>
+          </a:xfrm>
+        </p:spPr>
         <p:txBody>
           <a:bodyPr>
-            <a:normAutofit fontScale="70000" lnSpcReduction="20000"/>
+            <a:normAutofit fontScale="92500" lnSpcReduction="10000"/>
           </a:bodyPr>
           <a:lstStyle/>
           <a:p>
@@ -7641,7 +7661,7 @@
               <a:buNone/>
             </a:pPr>
             <a:r>
-              <a:rPr lang="en-US" sz="1200" dirty="0"/>
+              <a:rPr lang="en-US" sz="1300" dirty="0"/>
               <a:t>@GetMapping("/exception")</a:t>
             </a:r>
           </a:p>
@@ -7650,23 +7670,23 @@
               <a:buNone/>
             </a:pPr>
             <a:r>
-              <a:rPr lang="en-US" sz="1200" dirty="0"/>
+              <a:rPr lang="en-US" sz="1300" dirty="0"/>
               <a:t>public </a:t>
             </a:r>
             <a:r>
-              <a:rPr lang="en-US" sz="1200" dirty="0" err="1"/>
+              <a:rPr lang="en-US" sz="1300" dirty="0" err="1"/>
               <a:t>ResponseEntity</a:t>
             </a:r>
             <a:r>
-              <a:rPr lang="en-US" sz="1200" dirty="0"/>
-              <a:t> </a:t>
-            </a:r>
-            <a:r>
-              <a:rPr lang="en-US" sz="1200" dirty="0" err="1"/>
+              <a:rPr lang="en-US" sz="1300" dirty="0"/>
+              <a:t> </a:t>
+            </a:r>
+            <a:r>
+              <a:rPr lang="en-US" sz="1300" dirty="0" err="1"/>
               <a:t>sendViaException</a:t>
             </a:r>
             <a:r>
-              <a:rPr lang="en-US" sz="1200" dirty="0"/>
+              <a:rPr lang="en-US" sz="1300" dirty="0"/>
               <a:t>() {</a:t>
             </a:r>
           </a:p>
@@ -7675,15 +7695,15 @@
               <a:buNone/>
             </a:pPr>
             <a:r>
-              <a:rPr lang="en-US" sz="1200" dirty="0"/>
+              <a:rPr lang="en-US" sz="1300" dirty="0"/>
               <a:t>    throw new </a:t>
             </a:r>
             <a:r>
-              <a:rPr lang="en-US" sz="1200" dirty="0" err="1"/>
+              <a:rPr lang="en-US" sz="1300" dirty="0" err="1"/>
               <a:t>ForbiddenException</a:t>
             </a:r>
             <a:r>
-              <a:rPr lang="en-US" sz="1200" dirty="0"/>
+              <a:rPr lang="en-US" sz="1300" dirty="0"/>
               <a:t>();</a:t>
             </a:r>
           </a:p>
@@ -7692,7 +7712,7 @@
               <a:buNone/>
             </a:pPr>
             <a:r>
-              <a:rPr lang="en-US" sz="1200" dirty="0"/>
+              <a:rPr lang="en-US" sz="1300" dirty="0"/>
               <a:t>}</a:t>
             </a:r>
           </a:p>
@@ -8266,10 +8286,9 @@
               <a:t>mantıklıdır</a:t>
             </a:r>
             <a:r>
-              <a:rPr lang="en-US" sz="1700"/>
+              <a:rPr lang="en-US" sz="1700" dirty="0"/>
               <a:t>.</a:t>
             </a:r>
-            <a:endParaRPr lang="en-US" sz="1700" dirty="0"/>
           </a:p>
         </p:txBody>
       </p:sp>
@@ -8874,9 +8893,16 @@
             <p:ph type="title"/>
           </p:nvPr>
         </p:nvSpPr>
-        <p:spPr/>
-        <p:txBody>
-          <a:bodyPr/>
+        <p:spPr>
+          <a:xfrm>
+            <a:off x="913795" y="1"/>
+            <a:ext cx="10353761" cy="729842"/>
+          </a:xfrm>
+        </p:spPr>
+        <p:txBody>
+          <a:bodyPr>
+            <a:normAutofit/>
+          </a:bodyPr>
           <a:lstStyle/>
           <a:p>
             <a:r>
@@ -8902,10 +8928,15 @@
             <p:ph idx="1"/>
           </p:nvPr>
         </p:nvSpPr>
-        <p:spPr/>
+        <p:spPr>
+          <a:xfrm>
+            <a:off x="913795" y="855677"/>
+            <a:ext cx="10353762" cy="5662569"/>
+          </a:xfrm>
+        </p:spPr>
         <p:txBody>
           <a:bodyPr>
-            <a:normAutofit fontScale="55000" lnSpcReduction="20000"/>
+            <a:normAutofit fontScale="92500" lnSpcReduction="20000"/>
           </a:bodyPr>
           <a:lstStyle/>
           <a:p>
@@ -9639,7 +9670,12 @@
             <p:ph type="title"/>
           </p:nvPr>
         </p:nvSpPr>
-        <p:spPr/>
+        <p:spPr>
+          <a:xfrm>
+            <a:off x="913795" y="151002"/>
+            <a:ext cx="10353761" cy="570451"/>
+          </a:xfrm>
+        </p:spPr>
         <p:txBody>
           <a:bodyPr/>
           <a:lstStyle/>
@@ -9667,10 +9703,15 @@
             <p:ph idx="1"/>
           </p:nvPr>
         </p:nvSpPr>
-        <p:spPr/>
+        <p:spPr>
+          <a:xfrm>
+            <a:off x="913795" y="721453"/>
+            <a:ext cx="10353762" cy="6048463"/>
+          </a:xfrm>
+        </p:spPr>
         <p:txBody>
           <a:bodyPr>
-            <a:normAutofit fontScale="77500" lnSpcReduction="20000"/>
+            <a:normAutofit/>
           </a:bodyPr>
           <a:lstStyle/>
           <a:p>
@@ -9892,7 +9933,7 @@
               <a:buNone/>
             </a:pPr>
             <a:r>
-              <a:rPr lang="en-US" sz="1000" dirty="0"/>
+              <a:rPr lang="en-US" sz="1200" dirty="0"/>
               <a:t>@Controller</a:t>
             </a:r>
           </a:p>
@@ -9901,15 +9942,55 @@
               <a:buNone/>
             </a:pPr>
             <a:r>
-              <a:rPr lang="en-US" sz="1000" dirty="0"/>
-              <a:t>@RequestMapping(value = "/vehicles", method = </a:t>
-            </a:r>
-            <a:r>
-              <a:rPr lang="en-US" sz="1000" dirty="0" err="1"/>
+              <a:rPr lang="en-US" sz="1200" dirty="0"/>
+              <a:t>@RequestMapping(value = "/vehicles")</a:t>
+            </a:r>
+          </a:p>
+          <a:p>
+            <a:pPr marL="457200" lvl="1" indent="0">
+              <a:buNone/>
+            </a:pPr>
+            <a:r>
+              <a:rPr lang="en-US" sz="1200" dirty="0"/>
+              <a:t>class </a:t>
+            </a:r>
+            <a:r>
+              <a:rPr lang="en-US" sz="1200" dirty="0" err="1"/>
+              <a:t>VehicleController</a:t>
+            </a:r>
+            <a:r>
+              <a:rPr lang="en-US" sz="1200" dirty="0"/>
+              <a:t> {</a:t>
+            </a:r>
+          </a:p>
+          <a:p>
+            <a:pPr marL="457200" lvl="1" indent="0">
+              <a:buNone/>
+            </a:pPr>
+            <a:endParaRPr lang="en-US" sz="1200" dirty="0"/>
+          </a:p>
+          <a:p>
+            <a:pPr marL="457200" lvl="1" indent="0">
+              <a:buNone/>
+            </a:pPr>
+            <a:r>
+              <a:rPr lang="en-US" sz="1200" dirty="0"/>
+              <a:t>@ </a:t>
+            </a:r>
+            <a:r>
+              <a:rPr lang="en-US" sz="1200" dirty="0" err="1"/>
+              <a:t>RequestMapping</a:t>
+            </a:r>
+            <a:r>
+              <a:rPr lang="en-US" sz="1200" dirty="0"/>
+              <a:t>(value = "/home", method = </a:t>
+            </a:r>
+            <a:r>
+              <a:rPr lang="en-US" sz="1200" dirty="0" err="1"/>
               <a:t>RequestMethod.GET</a:t>
             </a:r>
             <a:r>
-              <a:rPr lang="en-US" sz="1000" dirty="0"/>
+              <a:rPr lang="en-US" sz="1200" dirty="0"/>
               <a:t>)</a:t>
             </a:r>
           </a:p>
@@ -9918,47 +9999,26 @@
               <a:buNone/>
             </a:pPr>
             <a:r>
-              <a:rPr lang="en-US" sz="1000" dirty="0"/>
-              <a:t>class </a:t>
-            </a:r>
-            <a:r>
-              <a:rPr lang="en-US" sz="1000" dirty="0" err="1"/>
-              <a:t>VehicleController</a:t>
-            </a:r>
-            <a:r>
-              <a:rPr lang="en-US" sz="1000" dirty="0"/>
-              <a:t> {</a:t>
+              <a:rPr lang="en-US" sz="1200" dirty="0"/>
+              <a:t>String home() {</a:t>
             </a:r>
           </a:p>
           <a:p>
             <a:pPr marL="457200" lvl="1" indent="0">
               <a:buNone/>
             </a:pPr>
-            <a:endParaRPr lang="en-US" sz="1000" dirty="0"/>
+            <a:r>
+              <a:rPr lang="en-US" sz="1200" dirty="0"/>
+              <a:t>        return "home";</a:t>
+            </a:r>
           </a:p>
           <a:p>
             <a:pPr marL="457200" lvl="1" indent="0">
               <a:buNone/>
             </a:pPr>
             <a:r>
-              <a:rPr lang="en-US" sz="1000" dirty="0"/>
-              <a:t>@ </a:t>
-            </a:r>
-            <a:r>
-              <a:rPr lang="en-US" sz="1000" dirty="0" err="1"/>
-              <a:t>RequestMapping</a:t>
-            </a:r>
-            <a:r>
-              <a:rPr lang="en-US" sz="1000" dirty="0"/>
-              <a:t>(value = "/home", method = </a:t>
-            </a:r>
-            <a:r>
-              <a:rPr lang="en-US" sz="1000" dirty="0" err="1"/>
-              <a:t>RequestMethod.GET</a:t>
-            </a:r>
-            <a:r>
-              <a:rPr lang="en-US" sz="1000" dirty="0"/>
-              <a:t>)</a:t>
+              <a:rPr lang="en-US" sz="1200" dirty="0"/>
+              <a:t>    }</a:t>
             </a:r>
           </a:p>
           <a:p>
@@ -9966,34 +10026,7 @@
               <a:buNone/>
             </a:pPr>
             <a:r>
-              <a:rPr lang="en-US" sz="1000" dirty="0"/>
-              <a:t>String home() {</a:t>
-            </a:r>
-          </a:p>
-          <a:p>
-            <a:pPr marL="457200" lvl="1" indent="0">
-              <a:buNone/>
-            </a:pPr>
-            <a:r>
-              <a:rPr lang="en-US" sz="1000" dirty="0"/>
-              <a:t>        return "home";</a:t>
-            </a:r>
-          </a:p>
-          <a:p>
-            <a:pPr marL="457200" lvl="1" indent="0">
-              <a:buNone/>
-            </a:pPr>
-            <a:r>
-              <a:rPr lang="en-US" sz="1000" dirty="0"/>
-              <a:t>    }</a:t>
-            </a:r>
-          </a:p>
-          <a:p>
-            <a:pPr marL="457200" lvl="1" indent="0">
-              <a:buNone/>
-            </a:pPr>
-            <a:r>
-              <a:rPr lang="en-US" sz="1000" dirty="0"/>
+              <a:rPr lang="en-US" sz="1200" dirty="0"/>
               <a:t>}</a:t>
             </a:r>
           </a:p>
@@ -10322,15 +10355,7 @@
             </a:pPr>
             <a:r>
               <a:rPr lang="en-US" sz="1000" dirty="0"/>
-              <a:t>@RequestMapping(value = "/vehicles", method = </a:t>
-            </a:r>
-            <a:r>
-              <a:rPr lang="en-US" sz="1000" dirty="0" err="1"/>
-              <a:t>RequestMethod.GET</a:t>
-            </a:r>
-            <a:r>
-              <a:rPr lang="en-US" sz="1000" dirty="0"/>
-              <a:t>)</a:t>
+              <a:t>@RequestMapping(value = "/vehicles")</a:t>
             </a:r>
           </a:p>
           <a:p>
@@ -10824,7 +10849,12 @@
             <p:ph type="title"/>
           </p:nvPr>
         </p:nvSpPr>
-        <p:spPr/>
+        <p:spPr>
+          <a:xfrm>
+            <a:off x="913795" y="67113"/>
+            <a:ext cx="10353761" cy="629174"/>
+          </a:xfrm>
+        </p:spPr>
         <p:txBody>
           <a:bodyPr/>
           <a:lstStyle/>
@@ -10852,10 +10882,15 @@
             <p:ph idx="1"/>
           </p:nvPr>
         </p:nvSpPr>
-        <p:spPr/>
+        <p:spPr>
+          <a:xfrm>
+            <a:off x="913795" y="696287"/>
+            <a:ext cx="10353762" cy="5989739"/>
+          </a:xfrm>
+        </p:spPr>
         <p:txBody>
           <a:bodyPr>
-            <a:normAutofit fontScale="55000" lnSpcReduction="20000"/>
+            <a:normAutofit fontScale="85000" lnSpcReduction="20000"/>
           </a:bodyPr>
           <a:lstStyle/>
           <a:p>
@@ -10973,7 +11008,7 @@
               <a:buNone/>
             </a:pPr>
             <a:r>
-              <a:rPr lang="en-US" sz="1000" dirty="0"/>
+              <a:rPr lang="en-US" sz="1300" dirty="0"/>
               <a:t>@RequestMapping("/{id}")</a:t>
             </a:r>
           </a:p>
@@ -10982,15 +11017,15 @@
               <a:buNone/>
             </a:pPr>
             <a:r>
-              <a:rPr lang="en-US" sz="1000" dirty="0"/>
+              <a:rPr lang="en-US" sz="1300" dirty="0"/>
               <a:t>Vehicle </a:t>
             </a:r>
             <a:r>
-              <a:rPr lang="en-US" sz="1000" dirty="0" err="1"/>
+              <a:rPr lang="en-US" sz="1300" dirty="0" err="1"/>
               <a:t>getVehicle</a:t>
             </a:r>
             <a:r>
-              <a:rPr lang="en-US" sz="1000" dirty="0"/>
+              <a:rPr lang="en-US" sz="1300" dirty="0"/>
               <a:t>(@PathVariable("id") long id) {</a:t>
             </a:r>
           </a:p>
@@ -10999,7 +11034,7 @@
               <a:buNone/>
             </a:pPr>
             <a:r>
-              <a:rPr lang="en-US" sz="1000" dirty="0"/>
+              <a:rPr lang="en-US" sz="1300" dirty="0"/>
               <a:t>    // ...</a:t>
             </a:r>
           </a:p>
@@ -11008,7 +11043,7 @@
               <a:buNone/>
             </a:pPr>
             <a:r>
-              <a:rPr lang="en-US" sz="1000" dirty="0"/>
+              <a:rPr lang="en-US" sz="1300" dirty="0"/>
               <a:t>}</a:t>
             </a:r>
           </a:p>
@@ -11097,22 +11132,22 @@
           <a:p>
             <a:pPr lvl="1" algn="just"/>
             <a:r>
-              <a:rPr lang="en-US" sz="1000" dirty="0">
+              <a:rPr lang="en-US" sz="1300" dirty="0">
                 <a:hlinkClick r:id="rId2"/>
               </a:rPr>
               <a:t>http://localhost:8080/5</a:t>
             </a:r>
-            <a:endParaRPr lang="en-US" sz="1000" dirty="0"/>
+            <a:endParaRPr lang="en-US" sz="1300" dirty="0"/>
           </a:p>
           <a:p>
             <a:pPr lvl="1" algn="just"/>
             <a:r>
-              <a:rPr lang="en-US" sz="1000" dirty="0">
+              <a:rPr lang="en-US" sz="1300" dirty="0">
                 <a:hlinkClick r:id="rId3"/>
               </a:rPr>
               <a:t>http://localhost:8080/6</a:t>
             </a:r>
-            <a:endParaRPr lang="en-US" sz="1000" dirty="0"/>
+            <a:endParaRPr lang="en-US" sz="1300" dirty="0"/>
           </a:p>
           <a:p>
             <a:pPr algn="just"/>
@@ -11258,7 +11293,7 @@
               <a:buNone/>
             </a:pPr>
             <a:r>
-              <a:rPr lang="en-US" sz="1100" dirty="0"/>
+              <a:rPr lang="en-US" sz="1400" dirty="0"/>
               <a:t>@RequestMapping("/{id}")</a:t>
             </a:r>
           </a:p>
@@ -11267,15 +11302,15 @@
               <a:buNone/>
             </a:pPr>
             <a:r>
-              <a:rPr lang="en-US" sz="1100" dirty="0"/>
+              <a:rPr lang="en-US" sz="1400" dirty="0"/>
               <a:t>Vehicle </a:t>
             </a:r>
             <a:r>
-              <a:rPr lang="en-US" sz="1100" dirty="0" err="1"/>
+              <a:rPr lang="en-US" sz="1400" dirty="0" err="1"/>
               <a:t>getVehicle</a:t>
             </a:r>
             <a:r>
-              <a:rPr lang="en-US" sz="1100" dirty="0"/>
+              <a:rPr lang="en-US" sz="1400" dirty="0"/>
               <a:t>(@PathVariable long id) {</a:t>
             </a:r>
           </a:p>
@@ -11284,7 +11319,7 @@
               <a:buNone/>
             </a:pPr>
             <a:r>
-              <a:rPr lang="en-US" sz="1100" dirty="0"/>
+              <a:rPr lang="en-US" sz="1400" dirty="0"/>
               <a:t>    // ...</a:t>
             </a:r>
           </a:p>
@@ -11293,7 +11328,7 @@
               <a:buNone/>
             </a:pPr>
             <a:r>
-              <a:rPr lang="en-US" sz="1100" dirty="0"/>
+              <a:rPr lang="en-US" sz="1400" dirty="0"/>
               <a:t>}</a:t>
             </a:r>
           </a:p>
@@ -11409,7 +11444,7 @@
               <a:buNone/>
             </a:pPr>
             <a:r>
-              <a:rPr lang="en-US" sz="1200" dirty="0"/>
+              <a:rPr lang="en-US" sz="1400" dirty="0"/>
               <a:t>@RequestMapping("/{id}")</a:t>
             </a:r>
           </a:p>
@@ -11418,15 +11453,15 @@
               <a:buNone/>
             </a:pPr>
             <a:r>
-              <a:rPr lang="en-US" sz="1200" dirty="0"/>
+              <a:rPr lang="en-US" sz="1400" dirty="0"/>
               <a:t>Vehicle </a:t>
             </a:r>
             <a:r>
-              <a:rPr lang="en-US" sz="1200" dirty="0" err="1"/>
+              <a:rPr lang="en-US" sz="1400" dirty="0" err="1"/>
               <a:t>getVehicle</a:t>
             </a:r>
             <a:r>
-              <a:rPr lang="en-US" sz="1200" dirty="0"/>
+              <a:rPr lang="en-US" sz="1400" dirty="0"/>
               <a:t>(@PathVariable(required = false) long id) {</a:t>
             </a:r>
           </a:p>
@@ -11435,7 +11470,7 @@
               <a:buNone/>
             </a:pPr>
             <a:r>
-              <a:rPr lang="en-US" sz="1200" dirty="0"/>
+              <a:rPr lang="en-US" sz="1400" dirty="0"/>
               <a:t>    // ...</a:t>
             </a:r>
           </a:p>
@@ -11444,7 +11479,7 @@
               <a:buNone/>
             </a:pPr>
             <a:r>
-              <a:rPr lang="en-US" sz="1200" dirty="0"/>
+              <a:rPr lang="en-US" sz="1400" dirty="0"/>
               <a:t>}</a:t>
             </a:r>
           </a:p>
@@ -11496,7 +11531,12 @@
             <p:ph type="title"/>
           </p:nvPr>
         </p:nvSpPr>
-        <p:spPr/>
+        <p:spPr>
+          <a:xfrm>
+            <a:off x="913795" y="0"/>
+            <a:ext cx="10353761" cy="805343"/>
+          </a:xfrm>
+        </p:spPr>
         <p:txBody>
           <a:bodyPr/>
           <a:lstStyle/>
@@ -11524,111 +11564,116 @@
             <p:ph idx="1"/>
           </p:nvPr>
         </p:nvSpPr>
-        <p:spPr/>
+        <p:spPr>
+          <a:xfrm>
+            <a:off x="913795" y="805343"/>
+            <a:ext cx="10353762" cy="5872294"/>
+          </a:xfrm>
+        </p:spPr>
         <p:txBody>
           <a:bodyPr>
-            <a:normAutofit fontScale="62500" lnSpcReduction="20000"/>
+            <a:normAutofit/>
           </a:bodyPr>
           <a:lstStyle/>
           <a:p>
             <a:r>
-              <a:rPr lang="en-US" dirty="0"/>
+              <a:rPr lang="en-US" sz="1400" dirty="0"/>
               <a:t>HTTP </a:t>
             </a:r>
             <a:r>
-              <a:rPr lang="en-US" dirty="0" err="1"/>
+              <a:rPr lang="en-US" sz="1400" dirty="0" err="1"/>
               <a:t>istek</a:t>
             </a:r>
             <a:r>
-              <a:rPr lang="en-US" dirty="0"/>
-              <a:t> </a:t>
-            </a:r>
-            <a:r>
-              <a:rPr lang="en-US" dirty="0" err="1"/>
+              <a:rPr lang="en-US" sz="1400" dirty="0"/>
+              <a:t> </a:t>
+            </a:r>
+            <a:r>
+              <a:rPr lang="en-US" sz="1400" dirty="0" err="1"/>
               <a:t>parametrelerine</a:t>
             </a:r>
             <a:r>
-              <a:rPr lang="en-US" dirty="0"/>
-              <a:t> </a:t>
-            </a:r>
-            <a:r>
-              <a:rPr lang="en-US" dirty="0" err="1"/>
+              <a:rPr lang="en-US" sz="1400" dirty="0"/>
+              <a:t> </a:t>
+            </a:r>
+            <a:r>
+              <a:rPr lang="en-US" sz="1400" dirty="0" err="1"/>
               <a:t>erişmek</a:t>
             </a:r>
             <a:r>
-              <a:rPr lang="en-US" dirty="0"/>
-              <a:t> </a:t>
-            </a:r>
-            <a:r>
-              <a:rPr lang="en-US" dirty="0" err="1"/>
+              <a:rPr lang="en-US" sz="1400" dirty="0"/>
+              <a:t> </a:t>
+            </a:r>
+            <a:r>
+              <a:rPr lang="en-US" sz="1400" dirty="0" err="1"/>
               <a:t>için</a:t>
             </a:r>
             <a:r>
-              <a:rPr lang="en-US" dirty="0"/>
+              <a:rPr lang="en-US" sz="1400" dirty="0"/>
               <a:t> @RequestParam </a:t>
             </a:r>
             <a:r>
-              <a:rPr lang="en-US" dirty="0" err="1"/>
+              <a:rPr lang="en-US" sz="1400" dirty="0" err="1"/>
               <a:t>kullanıyoruz</a:t>
             </a:r>
             <a:r>
-              <a:rPr lang="en-US" dirty="0"/>
+              <a:rPr lang="en-US" sz="1400" dirty="0"/>
               <a:t>. Request </a:t>
             </a:r>
             <a:r>
-              <a:rPr lang="en-US" dirty="0" err="1"/>
+              <a:rPr lang="en-US" sz="1400" dirty="0" err="1"/>
               <a:t>parametreler</a:t>
             </a:r>
             <a:r>
-              <a:rPr lang="en-US" dirty="0"/>
-              <a:t> </a:t>
-            </a:r>
-            <a:r>
-              <a:rPr lang="en-US" dirty="0" err="1"/>
+              <a:rPr lang="en-US" sz="1400" dirty="0"/>
+              <a:t> </a:t>
+            </a:r>
+            <a:r>
+              <a:rPr lang="en-US" sz="1400" dirty="0" err="1"/>
               <a:t>aksi</a:t>
             </a:r>
             <a:r>
-              <a:rPr lang="en-US" dirty="0"/>
-              <a:t> </a:t>
-            </a:r>
-            <a:r>
-              <a:rPr lang="en-US" dirty="0" err="1"/>
+              <a:rPr lang="en-US" sz="1400" dirty="0"/>
+              <a:t> </a:t>
+            </a:r>
+            <a:r>
+              <a:rPr lang="en-US" sz="1400" dirty="0" err="1"/>
               <a:t>belirtilmediği</a:t>
             </a:r>
             <a:r>
-              <a:rPr lang="en-US" dirty="0"/>
-              <a:t> </a:t>
-            </a:r>
-            <a:r>
-              <a:rPr lang="en-US" dirty="0" err="1"/>
+              <a:rPr lang="en-US" sz="1400" dirty="0"/>
+              <a:t> </a:t>
+            </a:r>
+            <a:r>
+              <a:rPr lang="en-US" sz="1400" dirty="0" err="1"/>
               <a:t>sürece</a:t>
             </a:r>
             <a:r>
-              <a:rPr lang="en-US" dirty="0"/>
-              <a:t> </a:t>
-            </a:r>
-            <a:r>
-              <a:rPr lang="en-US" dirty="0" err="1"/>
+              <a:rPr lang="en-US" sz="1400" dirty="0"/>
+              <a:t> </a:t>
+            </a:r>
+            <a:r>
+              <a:rPr lang="en-US" sz="1400" dirty="0" err="1"/>
               <a:t>url’de</a:t>
             </a:r>
             <a:r>
-              <a:rPr lang="en-US" dirty="0"/>
-              <a:t> </a:t>
-            </a:r>
-            <a:r>
-              <a:rPr lang="en-US" dirty="0" err="1"/>
+              <a:rPr lang="en-US" sz="1400" dirty="0"/>
+              <a:t> </a:t>
+            </a:r>
+            <a:r>
+              <a:rPr lang="en-US" sz="1400" dirty="0" err="1"/>
               <a:t>gönderilmek</a:t>
             </a:r>
             <a:r>
-              <a:rPr lang="en-US" dirty="0"/>
-              <a:t> </a:t>
-            </a:r>
-            <a:r>
-              <a:rPr lang="en-US" dirty="0" err="1"/>
+              <a:rPr lang="en-US" sz="1400" dirty="0"/>
+              <a:t> </a:t>
+            </a:r>
+            <a:r>
+              <a:rPr lang="en-US" sz="1400" dirty="0" err="1"/>
               <a:t>zorundadır</a:t>
             </a:r>
             <a:r>
-              <a:rPr lang="en-US" dirty="0"/>
+              <a:rPr lang="en-US" sz="1400" dirty="0"/>
               <a:t>:</a:t>
             </a:r>
           </a:p>
@@ -11637,7 +11682,7 @@
               <a:buNone/>
             </a:pPr>
             <a:r>
-              <a:rPr lang="en-US" sz="1000" dirty="0"/>
+              <a:rPr lang="en-US" sz="1400" dirty="0"/>
               <a:t>@GetMapping(value = "/vehicle")</a:t>
             </a:r>
           </a:p>
@@ -11646,15 +11691,15 @@
               <a:buNone/>
             </a:pPr>
             <a:r>
-              <a:rPr lang="en-US" sz="1000" dirty="0"/>
+              <a:rPr lang="en-US" sz="1400" dirty="0"/>
               <a:t>Vehicle </a:t>
             </a:r>
             <a:r>
-              <a:rPr lang="en-US" sz="1000" dirty="0" err="1"/>
+              <a:rPr lang="en-US" sz="1400" dirty="0" err="1"/>
               <a:t>getVehicleByParam</a:t>
             </a:r>
             <a:r>
-              <a:rPr lang="en-US" sz="1000" dirty="0"/>
+              <a:rPr lang="en-US" sz="1400" dirty="0"/>
               <a:t>(@RequestParam("id") long id) {</a:t>
             </a:r>
           </a:p>
@@ -11663,7 +11708,7 @@
               <a:buNone/>
             </a:pPr>
             <a:r>
-              <a:rPr lang="en-US" sz="1000" dirty="0"/>
+              <a:rPr lang="en-US" sz="1400" dirty="0"/>
               <a:t>    // ...</a:t>
             </a:r>
           </a:p>
@@ -11672,445 +11717,445 @@
               <a:buNone/>
             </a:pPr>
             <a:r>
-              <a:rPr lang="en-US" sz="1000" dirty="0"/>
+              <a:rPr lang="en-US" sz="1400" dirty="0"/>
               <a:t>}</a:t>
             </a:r>
           </a:p>
           <a:p>
             <a:r>
-              <a:rPr lang="en-US" dirty="0" err="1"/>
+              <a:rPr lang="en-US" sz="1400" dirty="0" err="1"/>
               <a:t>Yukarıda</a:t>
             </a:r>
             <a:r>
-              <a:rPr lang="en-US" dirty="0"/>
-              <a:t> </a:t>
-            </a:r>
-            <a:r>
-              <a:rPr lang="en-US" dirty="0" err="1"/>
+              <a:rPr lang="en-US" sz="1400" dirty="0"/>
+              <a:t> </a:t>
+            </a:r>
+            <a:r>
+              <a:rPr lang="en-US" sz="1400" dirty="0" err="1"/>
               <a:t>bulunan</a:t>
             </a:r>
             <a:r>
-              <a:rPr lang="en-US" dirty="0"/>
-              <a:t> </a:t>
-            </a:r>
-            <a:r>
-              <a:rPr lang="en-US" dirty="0" err="1"/>
+              <a:rPr lang="en-US" sz="1400" dirty="0"/>
+              <a:t> </a:t>
+            </a:r>
+            <a:r>
+              <a:rPr lang="en-US" sz="1400" dirty="0" err="1"/>
               <a:t>metoda</a:t>
             </a:r>
             <a:r>
-              <a:rPr lang="en-US" dirty="0"/>
-              <a:t> </a:t>
-            </a:r>
-            <a:r>
-              <a:rPr lang="en-US" dirty="0" err="1"/>
+              <a:rPr lang="en-US" sz="1400" dirty="0"/>
+              <a:t> </a:t>
+            </a:r>
+            <a:r>
+              <a:rPr lang="en-US" sz="1400" dirty="0" err="1"/>
               <a:t>istek</a:t>
             </a:r>
             <a:r>
-              <a:rPr lang="en-US" dirty="0"/>
-              <a:t> </a:t>
-            </a:r>
-            <a:r>
-              <a:rPr lang="en-US" dirty="0" err="1"/>
+              <a:rPr lang="en-US" sz="1400" dirty="0"/>
+              <a:t> </a:t>
+            </a:r>
+            <a:r>
+              <a:rPr lang="en-US" sz="1400" dirty="0" err="1"/>
               <a:t>göndermek</a:t>
             </a:r>
             <a:r>
-              <a:rPr lang="en-US" dirty="0"/>
-              <a:t> </a:t>
-            </a:r>
-            <a:r>
-              <a:rPr lang="en-US" dirty="0" err="1"/>
+              <a:rPr lang="en-US" sz="1400" dirty="0"/>
+              <a:t> </a:t>
+            </a:r>
+            <a:r>
+              <a:rPr lang="en-US" sz="1400" dirty="0" err="1"/>
               <a:t>için</a:t>
             </a:r>
             <a:r>
-              <a:rPr lang="en-US" dirty="0"/>
-              <a:t> </a:t>
-            </a:r>
-            <a:r>
-              <a:rPr lang="en-US" dirty="0" err="1"/>
+              <a:rPr lang="en-US" sz="1400" dirty="0"/>
+              <a:t> </a:t>
+            </a:r>
+            <a:r>
+              <a:rPr lang="en-US" sz="1400" dirty="0" err="1"/>
               <a:t>şu</a:t>
             </a:r>
             <a:r>
-              <a:rPr lang="en-US" dirty="0"/>
-              <a:t> </a:t>
-            </a:r>
-            <a:r>
-              <a:rPr lang="en-US" dirty="0" err="1"/>
+              <a:rPr lang="en-US" sz="1400" dirty="0"/>
+              <a:t> </a:t>
+            </a:r>
+            <a:r>
+              <a:rPr lang="en-US" sz="1400" dirty="0" err="1"/>
               <a:t>şekilde</a:t>
             </a:r>
             <a:r>
-              <a:rPr lang="en-US" dirty="0"/>
-              <a:t> </a:t>
-            </a:r>
-            <a:r>
-              <a:rPr lang="en-US" dirty="0" err="1"/>
+              <a:rPr lang="en-US" sz="1400" dirty="0"/>
+              <a:t> </a:t>
+            </a:r>
+            <a:r>
+              <a:rPr lang="en-US" sz="1400" dirty="0" err="1"/>
               <a:t>bir</a:t>
             </a:r>
             <a:r>
-              <a:rPr lang="en-US" dirty="0"/>
+              <a:rPr lang="en-US" sz="1400" dirty="0"/>
               <a:t> URL </a:t>
             </a:r>
             <a:r>
-              <a:rPr lang="en-US" dirty="0" err="1"/>
+              <a:rPr lang="en-US" sz="1400" dirty="0" err="1"/>
               <a:t>ile</a:t>
             </a:r>
             <a:r>
-              <a:rPr lang="en-US" dirty="0"/>
-              <a:t> </a:t>
-            </a:r>
-            <a:r>
-              <a:rPr lang="en-US" dirty="0" err="1"/>
+              <a:rPr lang="en-US" sz="1400" dirty="0"/>
+              <a:t> </a:t>
+            </a:r>
+            <a:r>
+              <a:rPr lang="en-US" sz="1400" dirty="0" err="1"/>
               <a:t>istek</a:t>
             </a:r>
             <a:r>
-              <a:rPr lang="en-US" dirty="0"/>
-              <a:t> </a:t>
-            </a:r>
-            <a:r>
-              <a:rPr lang="en-US" dirty="0" err="1"/>
+              <a:rPr lang="en-US" sz="1400" dirty="0"/>
+              <a:t> </a:t>
+            </a:r>
+            <a:r>
+              <a:rPr lang="en-US" sz="1400" dirty="0" err="1"/>
               <a:t>atmak</a:t>
             </a:r>
             <a:r>
-              <a:rPr lang="en-US" dirty="0"/>
-              <a:t> </a:t>
-            </a:r>
-            <a:r>
-              <a:rPr lang="en-US" dirty="0" err="1"/>
+              <a:rPr lang="en-US" sz="1400" dirty="0"/>
+              <a:t> </a:t>
+            </a:r>
+            <a:r>
+              <a:rPr lang="en-US" sz="1400" dirty="0" err="1"/>
               <a:t>gerekmektedir</a:t>
             </a:r>
             <a:r>
-              <a:rPr lang="en-US" dirty="0"/>
+              <a:rPr lang="en-US" sz="1400" dirty="0"/>
               <a:t>:</a:t>
             </a:r>
           </a:p>
           <a:p>
             <a:pPr lvl="1"/>
             <a:r>
-              <a:rPr lang="en-US" dirty="0">
+              <a:rPr lang="en-US" sz="1400" dirty="0">
                 <a:hlinkClick r:id="rId2"/>
               </a:rPr>
               <a:t>http://localhost:8080/vehicle?id=1</a:t>
             </a:r>
-            <a:endParaRPr lang="en-US" dirty="0"/>
-          </a:p>
-          <a:p>
-            <a:r>
-              <a:rPr lang="en-US" dirty="0"/>
+            <a:endParaRPr lang="en-US" sz="1400" dirty="0"/>
+          </a:p>
+          <a:p>
+            <a:r>
+              <a:rPr lang="en-US" sz="1400" dirty="0"/>
               <a:t>Request param HTTP </a:t>
             </a:r>
             <a:r>
-              <a:rPr lang="en-US" dirty="0" err="1"/>
+              <a:rPr lang="en-US" sz="1400" dirty="0" err="1"/>
               <a:t>istekleri</a:t>
             </a:r>
             <a:r>
-              <a:rPr lang="en-US" dirty="0"/>
-              <a:t> </a:t>
-            </a:r>
-            <a:r>
-              <a:rPr lang="en-US" dirty="0" err="1"/>
+              <a:rPr lang="en-US" sz="1400" dirty="0"/>
+              <a:t> </a:t>
+            </a:r>
+            <a:r>
+              <a:rPr lang="en-US" sz="1400" dirty="0" err="1"/>
               <a:t>için</a:t>
             </a:r>
             <a:r>
-              <a:rPr lang="en-US" dirty="0"/>
-              <a:t> </a:t>
-            </a:r>
-            <a:r>
-              <a:rPr lang="en-US" dirty="0" err="1"/>
+              <a:rPr lang="en-US" sz="1400" dirty="0"/>
+              <a:t> </a:t>
+            </a:r>
+            <a:r>
+              <a:rPr lang="en-US" sz="1400" dirty="0" err="1"/>
               <a:t>genel</a:t>
             </a:r>
             <a:r>
-              <a:rPr lang="en-US" dirty="0"/>
-              <a:t> </a:t>
-            </a:r>
-            <a:r>
-              <a:rPr lang="en-US" dirty="0" err="1"/>
+              <a:rPr lang="en-US" sz="1400" dirty="0"/>
+              <a:t> </a:t>
+            </a:r>
+            <a:r>
+              <a:rPr lang="en-US" sz="1400" dirty="0" err="1"/>
               <a:t>bir</a:t>
             </a:r>
             <a:r>
-              <a:rPr lang="en-US" dirty="0"/>
-              <a:t> </a:t>
-            </a:r>
-            <a:r>
-              <a:rPr lang="en-US" dirty="0" err="1"/>
+              <a:rPr lang="en-US" sz="1400" dirty="0"/>
+              <a:t> </a:t>
+            </a:r>
+            <a:r>
+              <a:rPr lang="en-US" sz="1400" dirty="0" err="1"/>
               <a:t>konsepttir</a:t>
             </a:r>
             <a:r>
-              <a:rPr lang="en-US" dirty="0"/>
+              <a:rPr lang="en-US" sz="1400" dirty="0"/>
               <a:t>. ? </a:t>
             </a:r>
             <a:r>
-              <a:rPr lang="en-US" dirty="0" err="1"/>
+              <a:rPr lang="en-US" sz="1400" dirty="0" err="1"/>
               <a:t>karakteri</a:t>
             </a:r>
             <a:r>
-              <a:rPr lang="en-US" dirty="0"/>
-              <a:t> </a:t>
-            </a:r>
-            <a:r>
-              <a:rPr lang="en-US" dirty="0" err="1"/>
+              <a:rPr lang="en-US" sz="1400" dirty="0"/>
+              <a:t> </a:t>
+            </a:r>
+            <a:r>
+              <a:rPr lang="en-US" sz="1400" dirty="0" err="1"/>
               <a:t>ile</a:t>
             </a:r>
             <a:r>
-              <a:rPr lang="en-US" dirty="0"/>
-              <a:t> </a:t>
-            </a:r>
-            <a:r>
-              <a:rPr lang="en-US" dirty="0" err="1"/>
+              <a:rPr lang="en-US" sz="1400" dirty="0"/>
+              <a:t> </a:t>
+            </a:r>
+            <a:r>
+              <a:rPr lang="en-US" sz="1400" dirty="0" err="1"/>
               <a:t>istek</a:t>
             </a:r>
             <a:r>
-              <a:rPr lang="en-US" dirty="0"/>
-              <a:t> </a:t>
-            </a:r>
-            <a:r>
-              <a:rPr lang="en-US" dirty="0" err="1"/>
+              <a:rPr lang="en-US" sz="1400" dirty="0"/>
+              <a:t> </a:t>
+            </a:r>
+            <a:r>
+              <a:rPr lang="en-US" sz="1400" dirty="0" err="1"/>
               <a:t>parametresi</a:t>
             </a:r>
             <a:r>
-              <a:rPr lang="en-US" dirty="0"/>
-              <a:t> </a:t>
-            </a:r>
-            <a:r>
-              <a:rPr lang="en-US" dirty="0" err="1"/>
+              <a:rPr lang="en-US" sz="1400" dirty="0"/>
+              <a:t> </a:t>
+            </a:r>
+            <a:r>
+              <a:rPr lang="en-US" sz="1400" dirty="0" err="1"/>
               <a:t>vereceğimizi</a:t>
             </a:r>
             <a:r>
-              <a:rPr lang="en-US" dirty="0"/>
-              <a:t> </a:t>
-            </a:r>
-            <a:r>
-              <a:rPr lang="en-US" dirty="0" err="1"/>
+              <a:rPr lang="en-US" sz="1400" dirty="0"/>
+              <a:t> </a:t>
+            </a:r>
+            <a:r>
+              <a:rPr lang="en-US" sz="1400" dirty="0" err="1"/>
               <a:t>belirtiriz</a:t>
             </a:r>
             <a:r>
-              <a:rPr lang="en-US" dirty="0"/>
+              <a:rPr lang="en-US" sz="1400" dirty="0"/>
               <a:t>. </a:t>
             </a:r>
             <a:r>
-              <a:rPr lang="en-US" dirty="0" err="1"/>
+              <a:rPr lang="en-US" sz="1400" dirty="0" err="1"/>
               <a:t>Birden</a:t>
             </a:r>
             <a:r>
-              <a:rPr lang="en-US" dirty="0"/>
-              <a:t> </a:t>
-            </a:r>
-            <a:r>
-              <a:rPr lang="en-US" dirty="0" err="1"/>
+              <a:rPr lang="en-US" sz="1400" dirty="0"/>
+              <a:t> </a:t>
+            </a:r>
+            <a:r>
+              <a:rPr lang="en-US" sz="1400" dirty="0" err="1"/>
               <a:t>fazla</a:t>
             </a:r>
             <a:r>
-              <a:rPr lang="en-US" dirty="0"/>
-              <a:t> </a:t>
-            </a:r>
-            <a:r>
-              <a:rPr lang="en-US" dirty="0" err="1"/>
+              <a:rPr lang="en-US" sz="1400" dirty="0"/>
+              <a:t> </a:t>
+            </a:r>
+            <a:r>
+              <a:rPr lang="en-US" sz="1400" dirty="0" err="1"/>
               <a:t>parametremiz</a:t>
             </a:r>
             <a:r>
-              <a:rPr lang="en-US" dirty="0"/>
-              <a:t> </a:t>
-            </a:r>
-            <a:r>
-              <a:rPr lang="en-US" dirty="0" err="1"/>
+              <a:rPr lang="en-US" sz="1400" dirty="0"/>
+              <a:t> </a:t>
+            </a:r>
+            <a:r>
+              <a:rPr lang="en-US" sz="1400" dirty="0" err="1"/>
               <a:t>olması</a:t>
             </a:r>
             <a:r>
-              <a:rPr lang="en-US" dirty="0"/>
-              <a:t> </a:t>
-            </a:r>
-            <a:r>
-              <a:rPr lang="en-US" dirty="0" err="1"/>
+              <a:rPr lang="en-US" sz="1400" dirty="0"/>
+              <a:t> </a:t>
+            </a:r>
+            <a:r>
+              <a:rPr lang="en-US" sz="1400" dirty="0" err="1"/>
               <a:t>durumunda</a:t>
             </a:r>
             <a:r>
-              <a:rPr lang="en-US" dirty="0"/>
-              <a:t> </a:t>
-            </a:r>
-            <a:r>
-              <a:rPr lang="en-US" dirty="0" err="1"/>
+              <a:rPr lang="en-US" sz="1400" dirty="0"/>
+              <a:t> </a:t>
+            </a:r>
+            <a:r>
+              <a:rPr lang="en-US" sz="1400" dirty="0" err="1"/>
               <a:t>iste</a:t>
             </a:r>
             <a:r>
-              <a:rPr lang="en-US" dirty="0"/>
+              <a:rPr lang="en-US" sz="1400" dirty="0"/>
               <a:t> &amp; </a:t>
             </a:r>
             <a:r>
-              <a:rPr lang="en-US" dirty="0" err="1"/>
+              <a:rPr lang="en-US" sz="1400" dirty="0" err="1"/>
               <a:t>işareti</a:t>
             </a:r>
             <a:r>
-              <a:rPr lang="en-US" dirty="0"/>
-              <a:t> </a:t>
-            </a:r>
-            <a:r>
-              <a:rPr lang="en-US" dirty="0" err="1"/>
+              <a:rPr lang="en-US" sz="1400" dirty="0"/>
+              <a:t> </a:t>
+            </a:r>
+            <a:r>
+              <a:rPr lang="en-US" sz="1400" dirty="0" err="1"/>
               <a:t>ile</a:t>
             </a:r>
             <a:r>
-              <a:rPr lang="en-US" dirty="0"/>
-              <a:t> </a:t>
-            </a:r>
-            <a:r>
-              <a:rPr lang="en-US" dirty="0" err="1"/>
+              <a:rPr lang="en-US" sz="1400" dirty="0"/>
+              <a:t> </a:t>
+            </a:r>
+            <a:r>
+              <a:rPr lang="en-US" sz="1400" dirty="0" err="1"/>
               <a:t>birden</a:t>
             </a:r>
             <a:r>
-              <a:rPr lang="en-US" dirty="0"/>
-              <a:t> </a:t>
-            </a:r>
-            <a:r>
-              <a:rPr lang="en-US" dirty="0" err="1"/>
+              <a:rPr lang="en-US" sz="1400" dirty="0"/>
+              <a:t> </a:t>
+            </a:r>
+            <a:r>
+              <a:rPr lang="en-US" sz="1400" dirty="0" err="1"/>
               <a:t>fazla</a:t>
             </a:r>
             <a:r>
-              <a:rPr lang="en-US" dirty="0"/>
-              <a:t> </a:t>
-            </a:r>
-            <a:r>
-              <a:rPr lang="en-US" dirty="0" err="1"/>
+              <a:rPr lang="en-US" sz="1400" dirty="0"/>
+              <a:t> </a:t>
+            </a:r>
+            <a:r>
+              <a:rPr lang="en-US" sz="1400" dirty="0" err="1"/>
               <a:t>parametre</a:t>
             </a:r>
             <a:r>
-              <a:rPr lang="en-US" dirty="0"/>
-              <a:t> </a:t>
-            </a:r>
-            <a:r>
-              <a:rPr lang="en-US" dirty="0" err="1"/>
+              <a:rPr lang="en-US" sz="1400" dirty="0"/>
+              <a:t> </a:t>
+            </a:r>
+            <a:r>
+              <a:rPr lang="en-US" sz="1400" dirty="0" err="1"/>
               <a:t>geçmeye</a:t>
             </a:r>
             <a:r>
-              <a:rPr lang="en-US" dirty="0"/>
-              <a:t> </a:t>
-            </a:r>
-            <a:r>
-              <a:rPr lang="en-US" dirty="0" err="1"/>
+              <a:rPr lang="en-US" sz="1400" dirty="0"/>
+              <a:t> </a:t>
+            </a:r>
+            <a:r>
+              <a:rPr lang="en-US" sz="1400" dirty="0" err="1"/>
               <a:t>başlarız</a:t>
             </a:r>
             <a:r>
-              <a:rPr lang="en-US" dirty="0"/>
+              <a:rPr lang="en-US" sz="1400" dirty="0"/>
               <a:t>:</a:t>
             </a:r>
           </a:p>
           <a:p>
             <a:pPr lvl="1"/>
             <a:r>
-              <a:rPr lang="en-US" dirty="0">
+              <a:rPr lang="en-US" sz="1400" dirty="0">
                 <a:hlinkClick r:id="rId3"/>
               </a:rPr>
               <a:t>http://localhost:8080/vehicle?id=1&amp;name=Renault&amp;model=Clio</a:t>
             </a:r>
-            <a:endParaRPr lang="en-US" dirty="0"/>
-          </a:p>
-          <a:p>
-            <a:r>
-              <a:rPr lang="en-US" dirty="0" err="1"/>
+            <a:endParaRPr lang="en-US" sz="1400" dirty="0"/>
+          </a:p>
+          <a:p>
+            <a:r>
+              <a:rPr lang="en-US" sz="1400" dirty="0" err="1"/>
               <a:t>Burada</a:t>
             </a:r>
             <a:r>
-              <a:rPr lang="en-US" dirty="0"/>
-              <a:t> </a:t>
-            </a:r>
-            <a:r>
-              <a:rPr lang="en-US" dirty="0" err="1"/>
+              <a:rPr lang="en-US" sz="1400" dirty="0"/>
+              <a:t> </a:t>
+            </a:r>
+            <a:r>
+              <a:rPr lang="en-US" sz="1400" dirty="0" err="1"/>
               <a:t>istemiş</a:t>
             </a:r>
             <a:r>
-              <a:rPr lang="en-US" dirty="0"/>
-              <a:t> </a:t>
-            </a:r>
-            <a:r>
-              <a:rPr lang="en-US" dirty="0" err="1"/>
+              <a:rPr lang="en-US" sz="1400" dirty="0"/>
+              <a:t> </a:t>
+            </a:r>
+            <a:r>
+              <a:rPr lang="en-US" sz="1400" dirty="0" err="1"/>
               <a:t>olduğumuz</a:t>
             </a:r>
             <a:r>
-              <a:rPr lang="en-US" dirty="0"/>
+              <a:rPr lang="en-US" sz="1400" dirty="0"/>
               <a:t> parameter </a:t>
             </a:r>
             <a:r>
-              <a:rPr lang="en-US" dirty="0" err="1"/>
+              <a:rPr lang="en-US" sz="1400" dirty="0" err="1"/>
               <a:t>yerine</a:t>
             </a:r>
             <a:r>
-              <a:rPr lang="en-US" dirty="0"/>
+              <a:rPr lang="en-US" sz="1400" dirty="0"/>
               <a:t> default </a:t>
             </a:r>
             <a:r>
-              <a:rPr lang="en-US" dirty="0" err="1"/>
+              <a:rPr lang="en-US" sz="1400" dirty="0" err="1"/>
               <a:t>bir</a:t>
             </a:r>
             <a:r>
-              <a:rPr lang="en-US" dirty="0"/>
+              <a:rPr lang="en-US" sz="1400" dirty="0"/>
               <a:t> parameter de </a:t>
             </a:r>
             <a:r>
-              <a:rPr lang="en-US" dirty="0" err="1"/>
+              <a:rPr lang="en-US" sz="1400" dirty="0" err="1"/>
               <a:t>ekleyebiliriz</a:t>
             </a:r>
             <a:r>
-              <a:rPr lang="en-US" dirty="0"/>
+              <a:rPr lang="en-US" sz="1400" dirty="0"/>
               <a:t>. </a:t>
             </a:r>
             <a:r>
-              <a:rPr lang="en-US" dirty="0" err="1"/>
+              <a:rPr lang="en-US" sz="1400" dirty="0" err="1"/>
               <a:t>Bunu</a:t>
             </a:r>
             <a:r>
-              <a:rPr lang="en-US" dirty="0"/>
-              <a:t> </a:t>
-            </a:r>
-            <a:r>
-              <a:rPr lang="en-US" dirty="0" err="1"/>
+              <a:rPr lang="en-US" sz="1400" dirty="0"/>
+              <a:t> </a:t>
+            </a:r>
+            <a:r>
+              <a:rPr lang="en-US" sz="1400" dirty="0" err="1"/>
               <a:t>yapmamız</a:t>
             </a:r>
             <a:r>
-              <a:rPr lang="en-US" dirty="0"/>
-              <a:t> </a:t>
-            </a:r>
-            <a:r>
-              <a:rPr lang="en-US" dirty="0" err="1"/>
+              <a:rPr lang="en-US" sz="1400" dirty="0"/>
+              <a:t> </a:t>
+            </a:r>
+            <a:r>
+              <a:rPr lang="en-US" sz="1400" dirty="0" err="1"/>
               <a:t>durumunda</a:t>
             </a:r>
             <a:r>
-              <a:rPr lang="en-US" dirty="0"/>
+              <a:rPr lang="en-US" sz="1400" dirty="0"/>
               <a:t> request </a:t>
             </a:r>
             <a:r>
-              <a:rPr lang="en-US" dirty="0" err="1"/>
+              <a:rPr lang="en-US" sz="1400" dirty="0" err="1"/>
               <a:t>parametresinin</a:t>
             </a:r>
             <a:r>
-              <a:rPr lang="en-US" dirty="0"/>
-              <a:t> </a:t>
-            </a:r>
-            <a:r>
-              <a:rPr lang="en-US" dirty="0" err="1"/>
+              <a:rPr lang="en-US" sz="1400" dirty="0"/>
+              <a:t> </a:t>
+            </a:r>
+            <a:r>
+              <a:rPr lang="en-US" sz="1400" dirty="0" err="1"/>
               <a:t>zorunluluk</a:t>
             </a:r>
             <a:r>
-              <a:rPr lang="en-US" dirty="0"/>
-              <a:t> </a:t>
-            </a:r>
-            <a:r>
-              <a:rPr lang="en-US" dirty="0" err="1"/>
+              <a:rPr lang="en-US" sz="1400" dirty="0"/>
+              <a:t> </a:t>
+            </a:r>
+            <a:r>
+              <a:rPr lang="en-US" sz="1400" dirty="0" err="1"/>
               <a:t>durumu</a:t>
             </a:r>
             <a:r>
-              <a:rPr lang="en-US" dirty="0"/>
-              <a:t> </a:t>
-            </a:r>
-            <a:r>
-              <a:rPr lang="en-US" dirty="0" err="1"/>
+              <a:rPr lang="en-US" sz="1400" dirty="0"/>
+              <a:t> </a:t>
+            </a:r>
+            <a:r>
+              <a:rPr lang="en-US" sz="1400" dirty="0" err="1"/>
               <a:t>ortadan</a:t>
             </a:r>
             <a:r>
-              <a:rPr lang="en-US" dirty="0"/>
-              <a:t> </a:t>
-            </a:r>
-            <a:r>
-              <a:rPr lang="en-US" dirty="0" err="1"/>
+              <a:rPr lang="en-US" sz="1400" dirty="0"/>
+              <a:t> </a:t>
+            </a:r>
+            <a:r>
+              <a:rPr lang="en-US" sz="1400" dirty="0" err="1"/>
               <a:t>kalkar</a:t>
             </a:r>
             <a:r>
-              <a:rPr lang="en-US" dirty="0"/>
+              <a:rPr lang="en-US" sz="1400" dirty="0"/>
               <a:t>:</a:t>
             </a:r>
           </a:p>
@@ -12119,7 +12164,7 @@
               <a:buNone/>
             </a:pPr>
             <a:r>
-              <a:rPr lang="en-US" sz="1100" dirty="0"/>
+              <a:rPr lang="en-US" sz="1400" dirty="0"/>
               <a:t>@GetMapping("/buy")</a:t>
             </a:r>
           </a:p>
@@ -12128,23 +12173,23 @@
               <a:buNone/>
             </a:pPr>
             <a:r>
-              <a:rPr lang="en-US" sz="1100" dirty="0"/>
+              <a:rPr lang="en-US" sz="1400" dirty="0"/>
               <a:t>Car </a:t>
             </a:r>
             <a:r>
-              <a:rPr lang="en-US" sz="1100" dirty="0" err="1"/>
+              <a:rPr lang="en-US" sz="1400" dirty="0" err="1"/>
               <a:t>buyCar</a:t>
             </a:r>
             <a:r>
-              <a:rPr lang="en-US" sz="1100" dirty="0"/>
+              <a:rPr lang="en-US" sz="1400" dirty="0"/>
               <a:t>(@RequestParam(defaultValue = "5") int </a:t>
             </a:r>
             <a:r>
-              <a:rPr lang="en-US" sz="1100" dirty="0" err="1"/>
+              <a:rPr lang="en-US" sz="1400" dirty="0" err="1"/>
               <a:t>seatCount</a:t>
             </a:r>
             <a:r>
-              <a:rPr lang="en-US" sz="1100" dirty="0"/>
+              <a:rPr lang="en-US" sz="1400" dirty="0"/>
               <a:t>) {</a:t>
             </a:r>
           </a:p>
@@ -12153,7 +12198,7 @@
               <a:buNone/>
             </a:pPr>
             <a:r>
-              <a:rPr lang="en-US" sz="1100" dirty="0"/>
+              <a:rPr lang="en-US" sz="1400" dirty="0"/>
               <a:t>    // ...</a:t>
             </a:r>
           </a:p>
@@ -12162,13 +12207,13 @@
               <a:buNone/>
             </a:pPr>
             <a:r>
-              <a:rPr lang="en-US" sz="1100" dirty="0"/>
+              <a:rPr lang="en-US" sz="1400" dirty="0"/>
               <a:t>}</a:t>
             </a:r>
           </a:p>
           <a:p>
             <a:pPr lvl="1"/>
-            <a:endParaRPr lang="en-US" dirty="0"/>
+            <a:endParaRPr lang="en-US" sz="1400" dirty="0"/>
           </a:p>
         </p:txBody>
       </p:sp>
